--- a/M1_proj.pptx
+++ b/M1_proj.pptx
@@ -219,7 +219,7 @@
           <a:p>
             <a:fld id="{C3BCE495-8BA1-4662-819A-08D8AC0BEA0C}" type="datetimeFigureOut">
               <a:rPr lang="fr-FR" smtClean="0"/>
-              <a:t>16/02/2024</a:t>
+              <a:t>08/03/2024</a:t>
             </a:fld>
             <a:endParaRPr lang="fr-FR"/>
           </a:p>
@@ -682,7 +682,7 @@
           <a:p>
             <a:fld id="{048A4B82-7DBA-42C7-801F-4C0C5FEBBDB9}" type="datetimeFigureOut">
               <a:rPr lang="fr-FR" smtClean="0"/>
-              <a:t>16/02/2024</a:t>
+              <a:t>08/03/2024</a:t>
             </a:fld>
             <a:endParaRPr lang="fr-FR"/>
           </a:p>
@@ -963,7 +963,7 @@
           <a:p>
             <a:fld id="{048A4B82-7DBA-42C7-801F-4C0C5FEBBDB9}" type="datetimeFigureOut">
               <a:rPr lang="fr-FR" smtClean="0"/>
-              <a:t>16/02/2024</a:t>
+              <a:t>08/03/2024</a:t>
             </a:fld>
             <a:endParaRPr lang="fr-FR"/>
           </a:p>
@@ -1155,7 +1155,7 @@
           <a:p>
             <a:fld id="{048A4B82-7DBA-42C7-801F-4C0C5FEBBDB9}" type="datetimeFigureOut">
               <a:rPr lang="fr-FR" smtClean="0"/>
-              <a:t>16/02/2024</a:t>
+              <a:t>08/03/2024</a:t>
             </a:fld>
             <a:endParaRPr lang="fr-FR"/>
           </a:p>
@@ -1416,7 +1416,7 @@
           <a:p>
             <a:fld id="{048A4B82-7DBA-42C7-801F-4C0C5FEBBDB9}" type="datetimeFigureOut">
               <a:rPr lang="fr-FR" smtClean="0"/>
-              <a:t>16/02/2024</a:t>
+              <a:t>08/03/2024</a:t>
             </a:fld>
             <a:endParaRPr lang="fr-FR"/>
           </a:p>
@@ -1842,7 +1842,7 @@
           <a:p>
             <a:fld id="{048A4B82-7DBA-42C7-801F-4C0C5FEBBDB9}" type="datetimeFigureOut">
               <a:rPr lang="fr-FR" smtClean="0"/>
-              <a:t>16/02/2024</a:t>
+              <a:t>08/03/2024</a:t>
             </a:fld>
             <a:endParaRPr lang="fr-FR"/>
           </a:p>
@@ -2388,7 +2388,7 @@
           <a:p>
             <a:fld id="{048A4B82-7DBA-42C7-801F-4C0C5FEBBDB9}" type="datetimeFigureOut">
               <a:rPr lang="fr-FR" smtClean="0"/>
-              <a:t>16/02/2024</a:t>
+              <a:t>08/03/2024</a:t>
             </a:fld>
             <a:endParaRPr lang="fr-FR"/>
           </a:p>
@@ -3219,7 +3219,7 @@
           <a:p>
             <a:fld id="{048A4B82-7DBA-42C7-801F-4C0C5FEBBDB9}" type="datetimeFigureOut">
               <a:rPr lang="fr-FR" smtClean="0"/>
-              <a:t>16/02/2024</a:t>
+              <a:t>08/03/2024</a:t>
             </a:fld>
             <a:endParaRPr lang="fr-FR"/>
           </a:p>
@@ -3389,7 +3389,7 @@
           <a:p>
             <a:fld id="{048A4B82-7DBA-42C7-801F-4C0C5FEBBDB9}" type="datetimeFigureOut">
               <a:rPr lang="fr-FR" smtClean="0"/>
-              <a:t>16/02/2024</a:t>
+              <a:t>08/03/2024</a:t>
             </a:fld>
             <a:endParaRPr lang="fr-FR"/>
           </a:p>
@@ -3569,7 +3569,7 @@
           <a:p>
             <a:fld id="{048A4B82-7DBA-42C7-801F-4C0C5FEBBDB9}" type="datetimeFigureOut">
               <a:rPr lang="fr-FR" smtClean="0"/>
-              <a:t>16/02/2024</a:t>
+              <a:t>08/03/2024</a:t>
             </a:fld>
             <a:endParaRPr lang="fr-FR"/>
           </a:p>
@@ -3739,7 +3739,7 @@
           <a:p>
             <a:fld id="{048A4B82-7DBA-42C7-801F-4C0C5FEBBDB9}" type="datetimeFigureOut">
               <a:rPr lang="fr-FR" smtClean="0"/>
-              <a:t>16/02/2024</a:t>
+              <a:t>08/03/2024</a:t>
             </a:fld>
             <a:endParaRPr lang="fr-FR"/>
           </a:p>
@@ -3996,7 +3996,7 @@
           <a:p>
             <a:fld id="{048A4B82-7DBA-42C7-801F-4C0C5FEBBDB9}" type="datetimeFigureOut">
               <a:rPr lang="fr-FR" smtClean="0"/>
-              <a:t>16/02/2024</a:t>
+              <a:t>08/03/2024</a:t>
             </a:fld>
             <a:endParaRPr lang="fr-FR"/>
           </a:p>
@@ -4228,7 +4228,7 @@
           <a:p>
             <a:fld id="{048A4B82-7DBA-42C7-801F-4C0C5FEBBDB9}" type="datetimeFigureOut">
               <a:rPr lang="fr-FR" smtClean="0"/>
-              <a:t>16/02/2024</a:t>
+              <a:t>08/03/2024</a:t>
             </a:fld>
             <a:endParaRPr lang="fr-FR"/>
           </a:p>
@@ -4621,7 +4621,7 @@
           <a:p>
             <a:fld id="{048A4B82-7DBA-42C7-801F-4C0C5FEBBDB9}" type="datetimeFigureOut">
               <a:rPr lang="fr-FR" smtClean="0"/>
-              <a:t>16/02/2024</a:t>
+              <a:t>08/03/2024</a:t>
             </a:fld>
             <a:endParaRPr lang="fr-FR"/>
           </a:p>
@@ -4739,7 +4739,7 @@
           <a:p>
             <a:fld id="{048A4B82-7DBA-42C7-801F-4C0C5FEBBDB9}" type="datetimeFigureOut">
               <a:rPr lang="fr-FR" smtClean="0"/>
-              <a:t>16/02/2024</a:t>
+              <a:t>08/03/2024</a:t>
             </a:fld>
             <a:endParaRPr lang="fr-FR"/>
           </a:p>
@@ -4834,7 +4834,7 @@
           <a:p>
             <a:fld id="{048A4B82-7DBA-42C7-801F-4C0C5FEBBDB9}" type="datetimeFigureOut">
               <a:rPr lang="fr-FR" smtClean="0"/>
-              <a:t>16/02/2024</a:t>
+              <a:t>08/03/2024</a:t>
             </a:fld>
             <a:endParaRPr lang="fr-FR"/>
           </a:p>
@@ -5107,7 +5107,7 @@
           <a:p>
             <a:fld id="{048A4B82-7DBA-42C7-801F-4C0C5FEBBDB9}" type="datetimeFigureOut">
               <a:rPr lang="fr-FR" smtClean="0"/>
-              <a:t>16/02/2024</a:t>
+              <a:t>08/03/2024</a:t>
             </a:fld>
             <a:endParaRPr lang="fr-FR"/>
           </a:p>
@@ -5388,7 +5388,7 @@
           <a:p>
             <a:fld id="{048A4B82-7DBA-42C7-801F-4C0C5FEBBDB9}" type="datetimeFigureOut">
               <a:rPr lang="fr-FR" smtClean="0"/>
-              <a:t>16/02/2024</a:t>
+              <a:t>08/03/2024</a:t>
             </a:fld>
             <a:endParaRPr lang="fr-FR"/>
           </a:p>
@@ -5628,7 +5628,7 @@
           <a:p>
             <a:fld id="{048A4B82-7DBA-42C7-801F-4C0C5FEBBDB9}" type="datetimeFigureOut">
               <a:rPr lang="fr-FR" smtClean="0"/>
-              <a:t>16/02/2024</a:t>
+              <a:t>08/03/2024</a:t>
             </a:fld>
             <a:endParaRPr lang="fr-FR"/>
           </a:p>
@@ -6330,19 +6330,31 @@
           <a:lstStyle/>
           <a:p>
             <a:r>
-              <a:rPr lang="fr-FR" dirty="0"/>
+              <a:rPr lang="fr-FR" dirty="0">
+                <a:highlight>
+                  <a:srgbClr val="FFFF00"/>
+                </a:highlight>
+              </a:rPr>
               <a:t>Le format de l’immatriculation est entre 7 et 9 caractères</a:t>
             </a:r>
           </a:p>
           <a:p>
             <a:r>
-              <a:rPr lang="fr-FR" dirty="0"/>
+              <a:rPr lang="fr-FR" dirty="0">
+                <a:highlight>
+                  <a:srgbClr val="FFFF00"/>
+                </a:highlight>
+              </a:rPr>
               <a:t>Le nom du modèle a au moins 1 caractère</a:t>
             </a:r>
           </a:p>
           <a:p>
             <a:r>
-              <a:rPr lang="fr-FR" dirty="0"/>
+              <a:rPr lang="fr-FR" dirty="0">
+                <a:highlight>
+                  <a:srgbClr val="FFFF00"/>
+                </a:highlight>
+              </a:rPr>
               <a:t>Le nombre de KM est positif</a:t>
             </a:r>
           </a:p>
@@ -6351,7 +6363,11 @@
           </a:p>
           <a:p>
             <a:r>
-              <a:rPr lang="fr-FR" dirty="0"/>
+              <a:rPr lang="fr-FR" dirty="0">
+                <a:highlight>
+                  <a:srgbClr val="FFFF00"/>
+                </a:highlight>
+              </a:rPr>
               <a:t>Le détail des travaux effectués est non vide</a:t>
             </a:r>
           </a:p>
@@ -6460,22 +6476,29 @@
           <a:lstStyle/>
           <a:p>
             <a:r>
-              <a:rPr lang="fr-FR" dirty="0"/>
-              <a:t>BDD + EF fonctionnels</a:t>
-            </a:r>
-            <a:r>
-              <a:rPr lang="fr-FR"/>
-              <a:t>: 2pts</a:t>
-            </a:r>
-            <a:endParaRPr lang="fr-FR" dirty="0"/>
-          </a:p>
-          <a:p>
-            <a:r>
-              <a:rPr lang="fr-FR" dirty="0" err="1"/>
+              <a:rPr lang="fr-FR" dirty="0">
+                <a:highlight>
+                  <a:srgbClr val="FFFF00"/>
+                </a:highlight>
+              </a:rPr>
+              <a:t>BDD + EF fonctionnels: 2pts</a:t>
+            </a:r>
+          </a:p>
+          <a:p>
+            <a:r>
+              <a:rPr lang="fr-FR" dirty="0" err="1">
+                <a:highlight>
+                  <a:srgbClr val="FFFF00"/>
+                </a:highlight>
+              </a:rPr>
               <a:t>WebAPI</a:t>
             </a:r>
             <a:r>
-              <a:rPr lang="fr-FR" dirty="0"/>
+              <a:rPr lang="fr-FR" dirty="0">
+                <a:highlight>
+                  <a:srgbClr val="FFFF00"/>
+                </a:highlight>
+              </a:rPr>
               <a:t> fonctionnelle: 4pts</a:t>
             </a:r>
           </a:p>
